--- a/lesson6/Лекция 6.pptx
+++ b/lesson6/Лекция 6.pptx
@@ -302,7 +302,7 @@
           <a:p>
             <a:fld id="{7E4E0942-6191-4840-8FEA-50AA059B0950}" type="datetimeFigureOut">
               <a:rPr lang="ru-RU" smtClean="0"/>
-              <a:t>20.03.2023</a:t>
+              <a:t>21.03.2023</a:t>
             </a:fld>
             <a:endParaRPr lang="ru-RU"/>
           </a:p>
@@ -500,7 +500,7 @@
           <a:p>
             <a:fld id="{7E4E0942-6191-4840-8FEA-50AA059B0950}" type="datetimeFigureOut">
               <a:rPr lang="ru-RU" smtClean="0"/>
-              <a:t>20.03.2023</a:t>
+              <a:t>21.03.2023</a:t>
             </a:fld>
             <a:endParaRPr lang="ru-RU"/>
           </a:p>
@@ -708,7 +708,7 @@
           <a:p>
             <a:fld id="{7E4E0942-6191-4840-8FEA-50AA059B0950}" type="datetimeFigureOut">
               <a:rPr lang="ru-RU" smtClean="0"/>
-              <a:t>20.03.2023</a:t>
+              <a:t>21.03.2023</a:t>
             </a:fld>
             <a:endParaRPr lang="ru-RU"/>
           </a:p>
@@ -1057,7 +1057,7 @@
           <a:p>
             <a:fld id="{7E4E0942-6191-4840-8FEA-50AA059B0950}" type="datetimeFigureOut">
               <a:rPr lang="ru-RU" smtClean="0"/>
-              <a:t>20.03.2023</a:t>
+              <a:t>21.03.2023</a:t>
             </a:fld>
             <a:endParaRPr lang="ru-RU"/>
           </a:p>
@@ -1332,7 +1332,7 @@
           <a:p>
             <a:fld id="{7E4E0942-6191-4840-8FEA-50AA059B0950}" type="datetimeFigureOut">
               <a:rPr lang="ru-RU" smtClean="0"/>
-              <a:t>20.03.2023</a:t>
+              <a:t>21.03.2023</a:t>
             </a:fld>
             <a:endParaRPr lang="ru-RU"/>
           </a:p>
@@ -1597,7 +1597,7 @@
           <a:p>
             <a:fld id="{7E4E0942-6191-4840-8FEA-50AA059B0950}" type="datetimeFigureOut">
               <a:rPr lang="ru-RU" smtClean="0"/>
-              <a:t>20.03.2023</a:t>
+              <a:t>21.03.2023</a:t>
             </a:fld>
             <a:endParaRPr lang="ru-RU"/>
           </a:p>
@@ -2009,7 +2009,7 @@
           <a:p>
             <a:fld id="{7E4E0942-6191-4840-8FEA-50AA059B0950}" type="datetimeFigureOut">
               <a:rPr lang="ru-RU" smtClean="0"/>
-              <a:t>20.03.2023</a:t>
+              <a:t>21.03.2023</a:t>
             </a:fld>
             <a:endParaRPr lang="ru-RU"/>
           </a:p>
@@ -2150,7 +2150,7 @@
           <a:p>
             <a:fld id="{7E4E0942-6191-4840-8FEA-50AA059B0950}" type="datetimeFigureOut">
               <a:rPr lang="ru-RU" smtClean="0"/>
-              <a:t>20.03.2023</a:t>
+              <a:t>21.03.2023</a:t>
             </a:fld>
             <a:endParaRPr lang="ru-RU"/>
           </a:p>
@@ -2263,7 +2263,7 @@
           <a:p>
             <a:fld id="{7E4E0942-6191-4840-8FEA-50AA059B0950}" type="datetimeFigureOut">
               <a:rPr lang="ru-RU" smtClean="0"/>
-              <a:t>20.03.2023</a:t>
+              <a:t>21.03.2023</a:t>
             </a:fld>
             <a:endParaRPr lang="ru-RU"/>
           </a:p>
@@ -2574,7 +2574,7 @@
           <a:p>
             <a:fld id="{7E4E0942-6191-4840-8FEA-50AA059B0950}" type="datetimeFigureOut">
               <a:rPr lang="ru-RU" smtClean="0"/>
-              <a:t>20.03.2023</a:t>
+              <a:t>21.03.2023</a:t>
             </a:fld>
             <a:endParaRPr lang="ru-RU"/>
           </a:p>
@@ -2862,7 +2862,7 @@
           <a:p>
             <a:fld id="{7E4E0942-6191-4840-8FEA-50AA059B0950}" type="datetimeFigureOut">
               <a:rPr lang="ru-RU" smtClean="0"/>
-              <a:t>20.03.2023</a:t>
+              <a:t>21.03.2023</a:t>
             </a:fld>
             <a:endParaRPr lang="ru-RU"/>
           </a:p>
@@ -3103,7 +3103,7 @@
           <a:p>
             <a:fld id="{7E4E0942-6191-4840-8FEA-50AA059B0950}" type="datetimeFigureOut">
               <a:rPr lang="ru-RU" smtClean="0"/>
-              <a:t>20.03.2023</a:t>
+              <a:t>21.03.2023</a:t>
             </a:fld>
             <a:endParaRPr lang="ru-RU"/>
           </a:p>

--- a/lesson6/Лекция 6.pptx
+++ b/lesson6/Лекция 6.pptx
@@ -302,7 +302,7 @@
           <a:p>
             <a:fld id="{7E4E0942-6191-4840-8FEA-50AA059B0950}" type="datetimeFigureOut">
               <a:rPr lang="ru-RU" smtClean="0"/>
-              <a:t>21.03.2023</a:t>
+              <a:t>14.04.2023</a:t>
             </a:fld>
             <a:endParaRPr lang="ru-RU"/>
           </a:p>
@@ -500,7 +500,7 @@
           <a:p>
             <a:fld id="{7E4E0942-6191-4840-8FEA-50AA059B0950}" type="datetimeFigureOut">
               <a:rPr lang="ru-RU" smtClean="0"/>
-              <a:t>21.03.2023</a:t>
+              <a:t>14.04.2023</a:t>
             </a:fld>
             <a:endParaRPr lang="ru-RU"/>
           </a:p>
@@ -708,7 +708,7 @@
           <a:p>
             <a:fld id="{7E4E0942-6191-4840-8FEA-50AA059B0950}" type="datetimeFigureOut">
               <a:rPr lang="ru-RU" smtClean="0"/>
-              <a:t>21.03.2023</a:t>
+              <a:t>14.04.2023</a:t>
             </a:fld>
             <a:endParaRPr lang="ru-RU"/>
           </a:p>
@@ -1057,7 +1057,7 @@
           <a:p>
             <a:fld id="{7E4E0942-6191-4840-8FEA-50AA059B0950}" type="datetimeFigureOut">
               <a:rPr lang="ru-RU" smtClean="0"/>
-              <a:t>21.03.2023</a:t>
+              <a:t>14.04.2023</a:t>
             </a:fld>
             <a:endParaRPr lang="ru-RU"/>
           </a:p>
@@ -1332,7 +1332,7 @@
           <a:p>
             <a:fld id="{7E4E0942-6191-4840-8FEA-50AA059B0950}" type="datetimeFigureOut">
               <a:rPr lang="ru-RU" smtClean="0"/>
-              <a:t>21.03.2023</a:t>
+              <a:t>14.04.2023</a:t>
             </a:fld>
             <a:endParaRPr lang="ru-RU"/>
           </a:p>
@@ -1597,7 +1597,7 @@
           <a:p>
             <a:fld id="{7E4E0942-6191-4840-8FEA-50AA059B0950}" type="datetimeFigureOut">
               <a:rPr lang="ru-RU" smtClean="0"/>
-              <a:t>21.03.2023</a:t>
+              <a:t>14.04.2023</a:t>
             </a:fld>
             <a:endParaRPr lang="ru-RU"/>
           </a:p>
@@ -2009,7 +2009,7 @@
           <a:p>
             <a:fld id="{7E4E0942-6191-4840-8FEA-50AA059B0950}" type="datetimeFigureOut">
               <a:rPr lang="ru-RU" smtClean="0"/>
-              <a:t>21.03.2023</a:t>
+              <a:t>14.04.2023</a:t>
             </a:fld>
             <a:endParaRPr lang="ru-RU"/>
           </a:p>
@@ -2150,7 +2150,7 @@
           <a:p>
             <a:fld id="{7E4E0942-6191-4840-8FEA-50AA059B0950}" type="datetimeFigureOut">
               <a:rPr lang="ru-RU" smtClean="0"/>
-              <a:t>21.03.2023</a:t>
+              <a:t>14.04.2023</a:t>
             </a:fld>
             <a:endParaRPr lang="ru-RU"/>
           </a:p>
@@ -2263,7 +2263,7 @@
           <a:p>
             <a:fld id="{7E4E0942-6191-4840-8FEA-50AA059B0950}" type="datetimeFigureOut">
               <a:rPr lang="ru-RU" smtClean="0"/>
-              <a:t>21.03.2023</a:t>
+              <a:t>14.04.2023</a:t>
             </a:fld>
             <a:endParaRPr lang="ru-RU"/>
           </a:p>
@@ -2574,7 +2574,7 @@
           <a:p>
             <a:fld id="{7E4E0942-6191-4840-8FEA-50AA059B0950}" type="datetimeFigureOut">
               <a:rPr lang="ru-RU" smtClean="0"/>
-              <a:t>21.03.2023</a:t>
+              <a:t>14.04.2023</a:t>
             </a:fld>
             <a:endParaRPr lang="ru-RU"/>
           </a:p>
@@ -2862,7 +2862,7 @@
           <a:p>
             <a:fld id="{7E4E0942-6191-4840-8FEA-50AA059B0950}" type="datetimeFigureOut">
               <a:rPr lang="ru-RU" smtClean="0"/>
-              <a:t>21.03.2023</a:t>
+              <a:t>14.04.2023</a:t>
             </a:fld>
             <a:endParaRPr lang="ru-RU"/>
           </a:p>
@@ -3103,7 +3103,7 @@
           <a:p>
             <a:fld id="{7E4E0942-6191-4840-8FEA-50AA059B0950}" type="datetimeFigureOut">
               <a:rPr lang="ru-RU" smtClean="0"/>
-              <a:t>21.03.2023</a:t>
+              <a:t>14.04.2023</a:t>
             </a:fld>
             <a:endParaRPr lang="ru-RU"/>
           </a:p>

--- a/lesson6/Лекция 6.pptx
+++ b/lesson6/Лекция 6.pptx
@@ -48,7 +48,6 @@
     <p:sldId id="1177" r:id="rId42"/>
     <p:sldId id="1183" r:id="rId43"/>
     <p:sldId id="1175" r:id="rId44"/>
-    <p:sldId id="1092" r:id="rId45"/>
   </p:sldIdLst>
   <p:sldSz cx="12192000" cy="6858000"/>
   <p:notesSz cx="6858000" cy="9144000"/>
@@ -302,7 +301,7 @@
           <a:p>
             <a:fld id="{7E4E0942-6191-4840-8FEA-50AA059B0950}" type="datetimeFigureOut">
               <a:rPr lang="ru-RU" smtClean="0"/>
-              <a:t>14.04.2023</a:t>
+              <a:t>27.05.2023</a:t>
             </a:fld>
             <a:endParaRPr lang="ru-RU"/>
           </a:p>
@@ -500,7 +499,7 @@
           <a:p>
             <a:fld id="{7E4E0942-6191-4840-8FEA-50AA059B0950}" type="datetimeFigureOut">
               <a:rPr lang="ru-RU" smtClean="0"/>
-              <a:t>14.04.2023</a:t>
+              <a:t>27.05.2023</a:t>
             </a:fld>
             <a:endParaRPr lang="ru-RU"/>
           </a:p>
@@ -708,7 +707,7 @@
           <a:p>
             <a:fld id="{7E4E0942-6191-4840-8FEA-50AA059B0950}" type="datetimeFigureOut">
               <a:rPr lang="ru-RU" smtClean="0"/>
-              <a:t>14.04.2023</a:t>
+              <a:t>27.05.2023</a:t>
             </a:fld>
             <a:endParaRPr lang="ru-RU"/>
           </a:p>
@@ -1057,7 +1056,7 @@
           <a:p>
             <a:fld id="{7E4E0942-6191-4840-8FEA-50AA059B0950}" type="datetimeFigureOut">
               <a:rPr lang="ru-RU" smtClean="0"/>
-              <a:t>14.04.2023</a:t>
+              <a:t>27.05.2023</a:t>
             </a:fld>
             <a:endParaRPr lang="ru-RU"/>
           </a:p>
@@ -1332,7 +1331,7 @@
           <a:p>
             <a:fld id="{7E4E0942-6191-4840-8FEA-50AA059B0950}" type="datetimeFigureOut">
               <a:rPr lang="ru-RU" smtClean="0"/>
-              <a:t>14.04.2023</a:t>
+              <a:t>27.05.2023</a:t>
             </a:fld>
             <a:endParaRPr lang="ru-RU"/>
           </a:p>
@@ -1597,7 +1596,7 @@
           <a:p>
             <a:fld id="{7E4E0942-6191-4840-8FEA-50AA059B0950}" type="datetimeFigureOut">
               <a:rPr lang="ru-RU" smtClean="0"/>
-              <a:t>14.04.2023</a:t>
+              <a:t>27.05.2023</a:t>
             </a:fld>
             <a:endParaRPr lang="ru-RU"/>
           </a:p>
@@ -2009,7 +2008,7 @@
           <a:p>
             <a:fld id="{7E4E0942-6191-4840-8FEA-50AA059B0950}" type="datetimeFigureOut">
               <a:rPr lang="ru-RU" smtClean="0"/>
-              <a:t>14.04.2023</a:t>
+              <a:t>27.05.2023</a:t>
             </a:fld>
             <a:endParaRPr lang="ru-RU"/>
           </a:p>
@@ -2150,7 +2149,7 @@
           <a:p>
             <a:fld id="{7E4E0942-6191-4840-8FEA-50AA059B0950}" type="datetimeFigureOut">
               <a:rPr lang="ru-RU" smtClean="0"/>
-              <a:t>14.04.2023</a:t>
+              <a:t>27.05.2023</a:t>
             </a:fld>
             <a:endParaRPr lang="ru-RU"/>
           </a:p>
@@ -2263,7 +2262,7 @@
           <a:p>
             <a:fld id="{7E4E0942-6191-4840-8FEA-50AA059B0950}" type="datetimeFigureOut">
               <a:rPr lang="ru-RU" smtClean="0"/>
-              <a:t>14.04.2023</a:t>
+              <a:t>27.05.2023</a:t>
             </a:fld>
             <a:endParaRPr lang="ru-RU"/>
           </a:p>
@@ -2574,7 +2573,7 @@
           <a:p>
             <a:fld id="{7E4E0942-6191-4840-8FEA-50AA059B0950}" type="datetimeFigureOut">
               <a:rPr lang="ru-RU" smtClean="0"/>
-              <a:t>14.04.2023</a:t>
+              <a:t>27.05.2023</a:t>
             </a:fld>
             <a:endParaRPr lang="ru-RU"/>
           </a:p>
@@ -2862,7 +2861,7 @@
           <a:p>
             <a:fld id="{7E4E0942-6191-4840-8FEA-50AA059B0950}" type="datetimeFigureOut">
               <a:rPr lang="ru-RU" smtClean="0"/>
-              <a:t>14.04.2023</a:t>
+              <a:t>27.05.2023</a:t>
             </a:fld>
             <a:endParaRPr lang="ru-RU"/>
           </a:p>
@@ -3103,7 +3102,7 @@
           <a:p>
             <a:fld id="{7E4E0942-6191-4840-8FEA-50AA059B0950}" type="datetimeFigureOut">
               <a:rPr lang="ru-RU" smtClean="0"/>
-              <a:t>14.04.2023</a:t>
+              <a:t>27.05.2023</a:t>
             </a:fld>
             <a:endParaRPr lang="ru-RU"/>
           </a:p>
@@ -15153,7 +15152,21 @@
                 <a:effectLst/>
                 <a:latin typeface="Courier New" panose="02070309020205020404" pitchFamily="49" charset="0"/>
               </a:rPr>
-              <a:t>void *malloc(size t size)</a:t>
+              <a:t>void *malloc(</a:t>
+            </a:r>
+            <a:r>
+              <a:rPr lang="en-US" sz="2000" dirty="0" err="1">
+                <a:effectLst/>
+                <a:latin typeface="Courier New" panose="02070309020205020404" pitchFamily="49" charset="0"/>
+              </a:rPr>
+              <a:t>size_t</a:t>
+            </a:r>
+            <a:r>
+              <a:rPr lang="en-US" sz="2000" dirty="0">
+                <a:effectLst/>
+                <a:latin typeface="Courier New" panose="02070309020205020404" pitchFamily="49" charset="0"/>
+              </a:rPr>
+              <a:t> size)</a:t>
             </a:r>
             <a:endParaRPr lang="ru-RU" sz="2000" dirty="0"/>
           </a:p>
@@ -48858,123 +48871,6 @@
 </p:sld>
 </file>
 
-<file path=ppt/slides/slide44.xml><?xml version="1.0" encoding="utf-8"?>
-<p:sld xmlns:a="http://schemas.openxmlformats.org/drawingml/2006/main" xmlns:r="http://schemas.openxmlformats.org/officeDocument/2006/relationships" xmlns:p="http://schemas.openxmlformats.org/presentationml/2006/main">
-  <p:cSld>
-    <p:spTree>
-      <p:nvGrpSpPr>
-        <p:cNvPr id="1" name=""/>
-        <p:cNvGrpSpPr/>
-        <p:nvPr/>
-      </p:nvGrpSpPr>
-      <p:grpSpPr>
-        <a:xfrm>
-          <a:off x="0" y="0"/>
-          <a:ext cx="0" cy="0"/>
-          <a:chOff x="0" y="0"/>
-          <a:chExt cx="0" cy="0"/>
-        </a:xfrm>
-      </p:grpSpPr>
-      <p:sp>
-        <p:nvSpPr>
-          <p:cNvPr id="2" name="Заголовок 1">
-            <a:extLst>
-              <a:ext uri="{FF2B5EF4-FFF2-40B4-BE49-F238E27FC236}">
-                <a16:creationId xmlns:a16="http://schemas.microsoft.com/office/drawing/2014/main" id="{673D63BA-1745-4C06-AE0F-816CA0FDCF8B}"/>
-              </a:ext>
-            </a:extLst>
-          </p:cNvPr>
-          <p:cNvSpPr>
-            <a:spLocks noGrp="1"/>
-          </p:cNvSpPr>
-          <p:nvPr>
-            <p:ph type="title"/>
-          </p:nvPr>
-        </p:nvSpPr>
-        <p:spPr/>
-        <p:txBody>
-          <a:bodyPr>
-            <a:normAutofit fontScale="90000"/>
-          </a:bodyPr>
-          <a:lstStyle/>
-          <a:p>
-            <a:r>
-              <a:rPr lang="ru-RU" dirty="0"/>
-              <a:t>Домашнее задание 5</a:t>
-            </a:r>
-            <a:r>
-              <a:rPr lang="en-US" dirty="0"/>
-              <a:t>-6</a:t>
-            </a:r>
-            <a:endParaRPr lang="ru-RU" dirty="0"/>
-          </a:p>
-        </p:txBody>
-      </p:sp>
-      <p:sp>
-        <p:nvSpPr>
-          <p:cNvPr id="6" name="TextBox 5">
-            <a:extLst>
-              <a:ext uri="{FF2B5EF4-FFF2-40B4-BE49-F238E27FC236}">
-                <a16:creationId xmlns:a16="http://schemas.microsoft.com/office/drawing/2014/main" id="{683A3730-BDC8-4196-B6E1-57C181021A81}"/>
-              </a:ext>
-            </a:extLst>
-          </p:cNvPr>
-          <p:cNvSpPr txBox="1"/>
-          <p:nvPr/>
-        </p:nvSpPr>
-        <p:spPr>
-          <a:xfrm>
-            <a:off x="542542" y="2056427"/>
-            <a:ext cx="11249732" cy="2246769"/>
-          </a:xfrm>
-          <a:prstGeom prst="rect">
-            <a:avLst/>
-          </a:prstGeom>
-          <a:noFill/>
-        </p:spPr>
-        <p:txBody>
-          <a:bodyPr wrap="square" rtlCol="0">
-            <a:spAutoFit/>
-          </a:bodyPr>
-          <a:lstStyle/>
-          <a:p>
-            <a:r>
-              <a:rPr lang="ru-RU" sz="2800" dirty="0"/>
-              <a:t>Написать программу, позволяющую складывать, вычитать и умножать матрицы</a:t>
-            </a:r>
-            <a:r>
-              <a:rPr lang="en-US" sz="2800" dirty="0"/>
-              <a:t>, </a:t>
-            </a:r>
-            <a:r>
-              <a:rPr lang="ru-RU" sz="2800" dirty="0"/>
-              <a:t>вычислять определитель матрицы.</a:t>
-            </a:r>
-          </a:p>
-          <a:p>
-            <a:endParaRPr lang="ru-RU" sz="2800" dirty="0"/>
-          </a:p>
-          <a:p>
-            <a:r>
-              <a:rPr lang="ru-RU" sz="2800" dirty="0"/>
-              <a:t>Сделать матрицы динамическими. Обеспечить корректное выделение и освобождение памяти. Размер матриц возможен произвольный. </a:t>
-            </a:r>
-          </a:p>
-        </p:txBody>
-      </p:sp>
-    </p:spTree>
-    <p:extLst>
-      <p:ext uri="{BB962C8B-B14F-4D97-AF65-F5344CB8AC3E}">
-        <p14:creationId xmlns:p14="http://schemas.microsoft.com/office/powerpoint/2010/main" val="1501417888"/>
-      </p:ext>
-    </p:extLst>
-  </p:cSld>
-  <p:clrMapOvr>
-    <a:masterClrMapping/>
-  </p:clrMapOvr>
-</p:sld>
-</file>
-
 <file path=ppt/slides/slide5.xml><?xml version="1.0" encoding="utf-8"?>
 <p:sld xmlns:a="http://schemas.openxmlformats.org/drawingml/2006/main" xmlns:r="http://schemas.openxmlformats.org/officeDocument/2006/relationships" xmlns:p="http://schemas.openxmlformats.org/presentationml/2006/main">
   <p:cSld>
